--- a/presentations/00-intro.pptx
+++ b/presentations/00-intro.pptx
@@ -210,7 +210,7 @@
             <a:fld id="{7307762F-A706-E543-A832-3C298AA3103F}" type="datetimeFigureOut">
               <a:rPr lang="en-US" smtClean="0"/>
               <a:pPr/>
-              <a:t>02/11/2012</a:t>
+              <a:t>05/12/2012</a:t>
             </a:fld>
             <a:endParaRPr lang="en-US" dirty="0"/>
           </a:p>
@@ -777,7 +777,7 @@
           <a:p>
             <a:fld id="{875CF0EB-321F-0749-B37A-89BBA859503C}" type="datetimeFigureOut">
               <a:rPr lang="en-US" smtClean="0"/>
-              <a:t>02/11/2012</a:t>
+              <a:t>05/12/2012</a:t>
             </a:fld>
             <a:endParaRPr lang="en-US"/>
           </a:p>
@@ -981,7 +981,7 @@
           <a:p>
             <a:fld id="{875CF0EB-321F-0749-B37A-89BBA859503C}" type="datetimeFigureOut">
               <a:rPr lang="en-US" smtClean="0"/>
-              <a:t>02/11/2012</a:t>
+              <a:t>05/12/2012</a:t>
             </a:fld>
             <a:endParaRPr lang="en-US"/>
           </a:p>
@@ -1175,7 +1175,7 @@
           <a:p>
             <a:fld id="{875CF0EB-321F-0749-B37A-89BBA859503C}" type="datetimeFigureOut">
               <a:rPr lang="en-US" smtClean="0"/>
-              <a:t>02/11/2012</a:t>
+              <a:t>05/12/2012</a:t>
             </a:fld>
             <a:endParaRPr lang="en-US"/>
           </a:p>
@@ -1445,7 +1445,7 @@
           <a:p>
             <a:fld id="{875CF0EB-321F-0749-B37A-89BBA859503C}" type="datetimeFigureOut">
               <a:rPr lang="en-US" smtClean="0"/>
-              <a:t>02/11/2012</a:t>
+              <a:t>05/12/2012</a:t>
             </a:fld>
             <a:endParaRPr lang="en-US"/>
           </a:p>
@@ -1757,7 +1757,7 @@
           <a:p>
             <a:fld id="{875CF0EB-321F-0749-B37A-89BBA859503C}" type="datetimeFigureOut">
               <a:rPr lang="en-US" smtClean="0"/>
-              <a:t>02/11/2012</a:t>
+              <a:t>05/12/2012</a:t>
             </a:fld>
             <a:endParaRPr lang="en-US"/>
           </a:p>
@@ -2203,7 +2203,7 @@
           <a:p>
             <a:fld id="{875CF0EB-321F-0749-B37A-89BBA859503C}" type="datetimeFigureOut">
               <a:rPr lang="en-US" smtClean="0"/>
-              <a:t>02/11/2012</a:t>
+              <a:t>05/12/2012</a:t>
             </a:fld>
             <a:endParaRPr lang="en-US"/>
           </a:p>
@@ -2345,7 +2345,7 @@
           <a:p>
             <a:fld id="{875CF0EB-321F-0749-B37A-89BBA859503C}" type="datetimeFigureOut">
               <a:rPr lang="en-US" smtClean="0"/>
-              <a:t>02/11/2012</a:t>
+              <a:t>05/12/2012</a:t>
             </a:fld>
             <a:endParaRPr lang="en-US"/>
           </a:p>
@@ -2464,7 +2464,7 @@
           <a:p>
             <a:fld id="{875CF0EB-321F-0749-B37A-89BBA859503C}" type="datetimeFigureOut">
               <a:rPr lang="en-US" smtClean="0"/>
-              <a:t>02/11/2012</a:t>
+              <a:t>05/12/2012</a:t>
             </a:fld>
             <a:endParaRPr lang="en-US"/>
           </a:p>
@@ -2765,7 +2765,7 @@
           <a:p>
             <a:fld id="{875CF0EB-321F-0749-B37A-89BBA859503C}" type="datetimeFigureOut">
               <a:rPr lang="en-US" smtClean="0"/>
-              <a:t>02/11/2012</a:t>
+              <a:t>05/12/2012</a:t>
             </a:fld>
             <a:endParaRPr lang="en-US"/>
           </a:p>
@@ -3042,7 +3042,7 @@
           <a:p>
             <a:fld id="{875CF0EB-321F-0749-B37A-89BBA859503C}" type="datetimeFigureOut">
               <a:rPr lang="en-US" smtClean="0"/>
-              <a:t>02/11/2012</a:t>
+              <a:t>05/12/2012</a:t>
             </a:fld>
             <a:endParaRPr lang="en-US"/>
           </a:p>
@@ -3969,14 +3969,7 @@
                 <a:ea typeface="ヒラギノ角ゴ ProN W3" charset="0"/>
                 <a:cs typeface="ヒラギノ角ゴ ProN W3" charset="0"/>
               </a:rPr>
-              <a:t>Software Engineering </a:t>
-            </a:r>
-            <a:r>
-              <a:rPr lang="en-US" dirty="0" err="1" smtClean="0">
-                <a:ea typeface="ヒラギノ角ゴ ProN W3" charset="0"/>
-                <a:cs typeface="ヒラギノ角ゴ ProN W3" charset="0"/>
-              </a:rPr>
-              <a:t>Programme</a:t>
+              <a:t>Software Engineering Programme</a:t>
             </a:r>
             <a:endParaRPr lang="en-US" dirty="0">
               <a:ea typeface="ヒラギノ角ゴ ProN W3" charset="0"/>
@@ -5986,8 +5979,19 @@
                 <a:ea typeface="ヒラギノ角ゴ ProN W3" charset="0"/>
                 <a:cs typeface="ヒラギノ角ゴ ProN W3" charset="0"/>
               </a:rPr>
-              <a:t>, URIs, HATEOS</a:t>
-            </a:r>
+              <a:t>, URIs, </a:t>
+            </a:r>
+            <a:r>
+              <a:rPr lang="en-US" sz="2800" dirty="0" smtClean="0">
+                <a:ea typeface="ヒラギノ角ゴ ProN W3" charset="0"/>
+                <a:cs typeface="ヒラギノ角ゴ ProN W3" charset="0"/>
+              </a:rPr>
+              <a:t>HATEOAS</a:t>
+            </a:r>
+            <a:endParaRPr lang="en-US" sz="2800" dirty="0">
+              <a:ea typeface="ヒラギノ角ゴ ProN W3" charset="0"/>
+              <a:cs typeface="ヒラギノ角ゴ ProN W3" charset="0"/>
+            </a:endParaRPr>
           </a:p>
           <a:p>
             <a:pPr eaLnBrk="1" hangingPunct="1"/>
